--- a/Cycle_04_Analyser_Modeliser_SLCI/Maxpid/Cycle_04_Presentation_Maxpid_Eleve.pptx
+++ b/Cycle_04_Analyser_Modeliser_SLCI/Maxpid/Cycle_04_Presentation_Maxpid_Eleve.pptx
@@ -377,7 +377,7 @@
     </p:spTree>
     <p:extLst>
       <p:ext uri="{BB962C8B-B14F-4D97-AF65-F5344CB8AC3E}">
-        <p14:creationId xmlns:p14="http://schemas.microsoft.com/office/powerpoint/2010/main" xmlns="" val="1501212536"/>
+        <p14:creationId xmlns:p14="http://schemas.microsoft.com/office/powerpoint/2010/main" val="1501212536"/>
       </p:ext>
     </p:extLst>
   </p:cSld>
@@ -6693,7 +6693,7 @@
             <a:blip r:embed="rId2" cstate="print">
               <a:extLst>
                 <a:ext uri="{28A0092B-C50C-407E-A947-70E740481C1C}">
-                  <a14:useLocalDpi xmlns:a14="http://schemas.microsoft.com/office/drawing/2010/main" xmlns="" val="0"/>
+                  <a14:useLocalDpi xmlns:a14="http://schemas.microsoft.com/office/drawing/2010/main" val="0"/>
                 </a:ext>
               </a:extLst>
             </a:blip>
@@ -6717,14 +6717,14 @@
             <a:effectLst/>
             <a:extLst>
               <a:ext uri="{909E8E84-426E-40DD-AFC4-6F175D3DCCD1}">
-                <a14:hiddenFill xmlns:a14="http://schemas.microsoft.com/office/drawing/2010/main" xmlns="">
+                <a14:hiddenFill xmlns:a14="http://schemas.microsoft.com/office/drawing/2010/main">
                   <a:solidFill>
                     <a:schemeClr val="accent1"/>
                   </a:solidFill>
                 </a14:hiddenFill>
               </a:ext>
               <a:ext uri="{91240B29-F687-4F45-9708-019B960494DF}">
-                <a14:hiddenLine xmlns:a14="http://schemas.microsoft.com/office/drawing/2010/main" xmlns="" w="9525">
+                <a14:hiddenLine xmlns:a14="http://schemas.microsoft.com/office/drawing/2010/main" w="9525">
                   <a:solidFill>
                     <a:schemeClr val="tx1"/>
                   </a:solidFill>
@@ -6734,7 +6734,7 @@
                 </a14:hiddenLine>
               </a:ext>
               <a:ext uri="{AF507438-7753-43E0-B8FC-AC1667EBCBE1}">
-                <a14:hiddenEffects xmlns:a14="http://schemas.microsoft.com/office/drawing/2010/main" xmlns="">
+                <a14:hiddenEffects xmlns:a14="http://schemas.microsoft.com/office/drawing/2010/main">
                   <a:effectLst>
                     <a:outerShdw dist="35921" dir="2700000" algn="ctr" rotWithShape="0">
                       <a:schemeClr val="bg2"/>
@@ -6757,7 +6757,7 @@
             <a:blip r:embed="rId3" cstate="print">
               <a:extLst>
                 <a:ext uri="{28A0092B-C50C-407E-A947-70E740481C1C}">
-                  <a14:useLocalDpi xmlns:a14="http://schemas.microsoft.com/office/drawing/2010/main" xmlns="" val="0"/>
+                  <a14:useLocalDpi xmlns:a14="http://schemas.microsoft.com/office/drawing/2010/main" val="0"/>
                 </a:ext>
               </a:extLst>
             </a:blip>
@@ -6803,7 +6803,7 @@
             </a:sp3d>
             <a:extLst>
               <a:ext uri="{909E8E84-426E-40DD-AFC4-6F175D3DCCD1}">
-                <a14:hiddenFill xmlns:a14="http://schemas.microsoft.com/office/drawing/2010/main" xmlns="">
+                <a14:hiddenFill xmlns:a14="http://schemas.microsoft.com/office/drawing/2010/main">
                   <a:solidFill>
                     <a:schemeClr val="accent1"/>
                   </a:solidFill>
@@ -6824,7 +6824,7 @@
             <a:blip r:embed="rId4">
               <a:extLst>
                 <a:ext uri="{28A0092B-C50C-407E-A947-70E740481C1C}">
-                  <a14:useLocalDpi xmlns:a14="http://schemas.microsoft.com/office/drawing/2010/main" xmlns="" val="0"/>
+                  <a14:useLocalDpi xmlns:a14="http://schemas.microsoft.com/office/drawing/2010/main" val="0"/>
                 </a:ext>
               </a:extLst>
             </a:blip>
@@ -6846,14 +6846,14 @@
             <a:effectLst/>
             <a:extLst>
               <a:ext uri="{909E8E84-426E-40DD-AFC4-6F175D3DCCD1}">
-                <a14:hiddenFill xmlns:a14="http://schemas.microsoft.com/office/drawing/2010/main" xmlns="">
+                <a14:hiddenFill xmlns:a14="http://schemas.microsoft.com/office/drawing/2010/main">
                   <a:solidFill>
                     <a:schemeClr val="accent1"/>
                   </a:solidFill>
                 </a14:hiddenFill>
               </a:ext>
               <a:ext uri="{91240B29-F687-4F45-9708-019B960494DF}">
-                <a14:hiddenLine xmlns:a14="http://schemas.microsoft.com/office/drawing/2010/main" xmlns="" w="9525">
+                <a14:hiddenLine xmlns:a14="http://schemas.microsoft.com/office/drawing/2010/main" w="9525">
                   <a:solidFill>
                     <a:schemeClr val="tx1"/>
                   </a:solidFill>
@@ -6863,7 +6863,7 @@
                 </a14:hiddenLine>
               </a:ext>
               <a:ext uri="{AF507438-7753-43E0-B8FC-AC1667EBCBE1}">
-                <a14:hiddenEffects xmlns:a14="http://schemas.microsoft.com/office/drawing/2010/main" xmlns="">
+                <a14:hiddenEffects xmlns:a14="http://schemas.microsoft.com/office/drawing/2010/main">
                   <a:effectLst>
                     <a:outerShdw dist="35921" dir="2700000" algn="ctr" rotWithShape="0">
                       <a:schemeClr val="bg2"/>
@@ -6886,7 +6886,7 @@
             <a:blip r:embed="rId5" cstate="print">
               <a:extLst>
                 <a:ext uri="{28A0092B-C50C-407E-A947-70E740481C1C}">
-                  <a14:useLocalDpi xmlns:a14="http://schemas.microsoft.com/office/drawing/2010/main" xmlns="" val="0"/>
+                  <a14:useLocalDpi xmlns:a14="http://schemas.microsoft.com/office/drawing/2010/main" val="0"/>
                 </a:ext>
               </a:extLst>
             </a:blip>
@@ -6910,14 +6910,14 @@
             <a:effectLst/>
             <a:extLst>
               <a:ext uri="{909E8E84-426E-40DD-AFC4-6F175D3DCCD1}">
-                <a14:hiddenFill xmlns:a14="http://schemas.microsoft.com/office/drawing/2010/main" xmlns="">
+                <a14:hiddenFill xmlns:a14="http://schemas.microsoft.com/office/drawing/2010/main">
                   <a:solidFill>
                     <a:schemeClr val="accent1"/>
                   </a:solidFill>
                 </a14:hiddenFill>
               </a:ext>
               <a:ext uri="{91240B29-F687-4F45-9708-019B960494DF}">
-                <a14:hiddenLine xmlns:a14="http://schemas.microsoft.com/office/drawing/2010/main" xmlns="" w="9525">
+                <a14:hiddenLine xmlns:a14="http://schemas.microsoft.com/office/drawing/2010/main" w="9525">
                   <a:solidFill>
                     <a:schemeClr val="tx1"/>
                   </a:solidFill>
@@ -6927,7 +6927,7 @@
                 </a14:hiddenLine>
               </a:ext>
               <a:ext uri="{AF507438-7753-43E0-B8FC-AC1667EBCBE1}">
-                <a14:hiddenEffects xmlns:a14="http://schemas.microsoft.com/office/drawing/2010/main" xmlns="">
+                <a14:hiddenEffects xmlns:a14="http://schemas.microsoft.com/office/drawing/2010/main">
                   <a:effectLst>
                     <a:outerShdw dist="35921" dir="2700000" algn="ctr" rotWithShape="0">
                       <a:schemeClr val="bg2"/>
@@ -8716,7 +8716,7 @@
         <p:spPr>
           <a:xfrm>
             <a:off x="571472" y="4643446"/>
-            <a:ext cx="7929618" cy="1200329"/>
+            <a:ext cx="7929618" cy="1754326"/>
           </a:xfrm>
           <a:prstGeom prst="rect">
             <a:avLst/>
@@ -8749,22 +8749,48 @@
                   <a:srgbClr val="FF0000"/>
                 </a:solidFill>
               </a:rPr>
-              <a:t>  Expliquer le fonctionnement du système</a:t>
-            </a:r>
-          </a:p>
-          <a:p>
-            <a:pPr>
-              <a:buFont typeface="Arial" pitchFamily="34" charset="0"/>
-              <a:buChar char="•"/>
-            </a:pPr>
+              <a:t>  Expliquer le fonctionnement du </a:t>
+            </a:r>
             <a:r>
               <a:rPr lang="fr-FR" b="1" dirty="0" smtClean="0">
                 <a:solidFill>
                   <a:srgbClr val="FF0000"/>
                 </a:solidFill>
               </a:rPr>
-              <a:t>  Donner les composants qui constituent le système</a:t>
-            </a:r>
+              <a:t>système en expliquant le comportement cinématique.</a:t>
+            </a:r>
+            <a:endParaRPr lang="fr-FR" b="1" dirty="0" smtClean="0">
+              <a:solidFill>
+                <a:srgbClr val="FF0000"/>
+              </a:solidFill>
+            </a:endParaRPr>
+          </a:p>
+          <a:p>
+            <a:pPr>
+              <a:buFont typeface="Arial" pitchFamily="34" charset="0"/>
+              <a:buChar char="•"/>
+            </a:pPr>
+            <a:r>
+              <a:rPr lang="fr-FR" b="1" dirty="0" smtClean="0">
+                <a:solidFill>
+                  <a:srgbClr val="FF0000"/>
+                </a:solidFill>
+              </a:rPr>
+              <a:t>  Donner les composants qui constituent le </a:t>
+            </a:r>
+            <a:r>
+              <a:rPr lang="fr-FR" b="1" dirty="0" smtClean="0">
+                <a:solidFill>
+                  <a:srgbClr val="FF0000"/>
+                </a:solidFill>
+              </a:rPr>
+              <a:t>système (Chaine fonctionnelle ou IBD)</a:t>
+            </a:r>
+            <a:endParaRPr lang="fr-FR" b="1" dirty="0" smtClean="0">
+              <a:solidFill>
+                <a:srgbClr val="FF0000"/>
+              </a:solidFill>
+            </a:endParaRPr>
           </a:p>
           <a:p>
             <a:pPr>
@@ -9526,7 +9552,7 @@
         </p:nvSpPr>
         <p:spPr>
           <a:xfrm>
-            <a:off x="642910" y="5000636"/>
+            <a:off x="639426" y="3789040"/>
             <a:ext cx="7929618" cy="369332"/>
           </a:xfrm>
           <a:prstGeom prst="rect">
@@ -9546,7 +9572,15 @@
                   <a:srgbClr val="FF0000"/>
                 </a:solidFill>
               </a:rPr>
-              <a:t>Remplir le schéma bloc fonctionnel associé au système</a:t>
+              <a:t>Remplir le schéma bloc fonctionnel associé au </a:t>
+            </a:r>
+            <a:r>
+              <a:rPr lang="fr-FR" b="1" dirty="0" smtClean="0">
+                <a:solidFill>
+                  <a:srgbClr val="FF0000"/>
+                </a:solidFill>
+              </a:rPr>
+              <a:t>système</a:t>
             </a:r>
           </a:p>
         </p:txBody>
